--- a/reference_content/Slides/007_Basis_and_Regularization.pptx
+++ b/reference_content/Slides/007_Basis_and_Regularization.pptx
@@ -50,9 +50,10 @@
     <p:sldId id="287" r:id="rId44"/>
     <p:sldId id="271" r:id="rId45"/>
     <p:sldId id="300" r:id="rId46"/>
-    <p:sldId id="288" r:id="rId47"/>
-    <p:sldId id="272" r:id="rId48"/>
-    <p:sldId id="273" r:id="rId49"/>
+    <p:sldId id="305" r:id="rId47"/>
+    <p:sldId id="288" r:id="rId48"/>
+    <p:sldId id="272" r:id="rId49"/>
+    <p:sldId id="273" r:id="rId50"/>
   </p:sldIdLst>
   <p:sldSz cx="12192000" cy="6858000"/>
   <p:notesSz cx="6858000" cy="9144000"/>
@@ -298,7 +299,7 @@
           <a:p>
             <a:fld id="{6A2C5A9B-CA1C-EF43-AB33-17909BB2FF74}" type="datetimeFigureOut">
               <a:rPr lang="en-US" smtClean="0"/>
-              <a:t>1/22/25</a:t>
+              <a:t>1/20/26</a:t>
             </a:fld>
             <a:endParaRPr lang="en-US"/>
           </a:p>
@@ -509,7 +510,7 @@
           <a:p>
             <a:fld id="{6A2C5A9B-CA1C-EF43-AB33-17909BB2FF74}" type="datetimeFigureOut">
               <a:rPr lang="en-US" smtClean="0"/>
-              <a:t>1/22/25</a:t>
+              <a:t>1/20/26</a:t>
             </a:fld>
             <a:endParaRPr lang="en-US"/>
           </a:p>
@@ -724,7 +725,7 @@
           <a:p>
             <a:fld id="{6A2C5A9B-CA1C-EF43-AB33-17909BB2FF74}" type="datetimeFigureOut">
               <a:rPr lang="en-US" smtClean="0"/>
-              <a:t>1/22/25</a:t>
+              <a:t>1/20/26</a:t>
             </a:fld>
             <a:endParaRPr lang="en-US"/>
           </a:p>
@@ -925,7 +926,7 @@
           <a:p>
             <a:fld id="{6A2C5A9B-CA1C-EF43-AB33-17909BB2FF74}" type="datetimeFigureOut">
               <a:rPr lang="en-US" smtClean="0"/>
-              <a:t>1/22/25</a:t>
+              <a:t>1/20/26</a:t>
             </a:fld>
             <a:endParaRPr lang="en-US"/>
           </a:p>
@@ -1204,7 +1205,7 @@
           <a:p>
             <a:fld id="{6A2C5A9B-CA1C-EF43-AB33-17909BB2FF74}" type="datetimeFigureOut">
               <a:rPr lang="en-US" smtClean="0"/>
-              <a:t>1/22/25</a:t>
+              <a:t>1/20/26</a:t>
             </a:fld>
             <a:endParaRPr lang="en-US"/>
           </a:p>
@@ -1472,7 +1473,7 @@
           <a:p>
             <a:fld id="{6A2C5A9B-CA1C-EF43-AB33-17909BB2FF74}" type="datetimeFigureOut">
               <a:rPr lang="en-US" smtClean="0"/>
-              <a:t>1/22/25</a:t>
+              <a:t>1/20/26</a:t>
             </a:fld>
             <a:endParaRPr lang="en-US"/>
           </a:p>
@@ -1888,7 +1889,7 @@
           <a:p>
             <a:fld id="{6A2C5A9B-CA1C-EF43-AB33-17909BB2FF74}" type="datetimeFigureOut">
               <a:rPr lang="en-US" smtClean="0"/>
-              <a:t>1/22/25</a:t>
+              <a:t>1/20/26</a:t>
             </a:fld>
             <a:endParaRPr lang="en-US"/>
           </a:p>
@@ -2037,7 +2038,7 @@
           <a:p>
             <a:fld id="{6A2C5A9B-CA1C-EF43-AB33-17909BB2FF74}" type="datetimeFigureOut">
               <a:rPr lang="en-US" smtClean="0"/>
-              <a:t>1/22/25</a:t>
+              <a:t>1/20/26</a:t>
             </a:fld>
             <a:endParaRPr lang="en-US"/>
           </a:p>
@@ -2163,7 +2164,7 @@
           <a:p>
             <a:fld id="{6A2C5A9B-CA1C-EF43-AB33-17909BB2FF74}" type="datetimeFigureOut">
               <a:rPr lang="en-US" smtClean="0"/>
-              <a:t>1/22/25</a:t>
+              <a:t>1/20/26</a:t>
             </a:fld>
             <a:endParaRPr lang="en-US"/>
           </a:p>
@@ -2414,7 +2415,7 @@
           <a:p>
             <a:fld id="{6A2C5A9B-CA1C-EF43-AB33-17909BB2FF74}" type="datetimeFigureOut">
               <a:rPr lang="en-US" smtClean="0"/>
-              <a:t>1/22/25</a:t>
+              <a:t>1/20/26</a:t>
             </a:fld>
             <a:endParaRPr lang="en-US"/>
           </a:p>
@@ -2859,7 +2860,7 @@
           <a:p>
             <a:fld id="{6A2C5A9B-CA1C-EF43-AB33-17909BB2FF74}" type="datetimeFigureOut">
               <a:rPr lang="en-US" smtClean="0"/>
-              <a:t>1/22/25</a:t>
+              <a:t>1/20/26</a:t>
             </a:fld>
             <a:endParaRPr lang="en-US"/>
           </a:p>
@@ -3026,6 +3027,13 @@
             <a:schemeClr val="lt1"/>
           </a:fontRef>
         </p:style>
+        <p:txBody>
+          <a:bodyPr/>
+          <a:lstStyle/>
+          <a:p>
+            <a:endParaRPr lang="en-US"/>
+          </a:p>
+        </p:txBody>
       </p:sp>
       <p:pic>
         <p:nvPicPr>
@@ -3186,7 +3194,7 @@
           <a:p>
             <a:fld id="{6A2C5A9B-CA1C-EF43-AB33-17909BB2FF74}" type="datetimeFigureOut">
               <a:rPr lang="en-US" smtClean="0"/>
-              <a:t>1/22/25</a:t>
+              <a:t>1/20/26</a:t>
             </a:fld>
             <a:endParaRPr lang="en-US"/>
           </a:p>
@@ -10599,13 +10607,13 @@
         </p:nvSpPr>
         <p:spPr>
           <a:xfrm>
-            <a:off x="111213" y="2421924"/>
-            <a:ext cx="4231972" cy="3631554"/>
+            <a:off x="0" y="2421924"/>
+            <a:ext cx="4430059" cy="3631554"/>
           </a:xfrm>
         </p:spPr>
         <p:txBody>
           <a:bodyPr>
-            <a:normAutofit/>
+            <a:normAutofit lnSpcReduction="10000"/>
           </a:bodyPr>
           <a:lstStyle/>
           <a:p>
@@ -10615,34 +10623,43 @@
             </a:r>
           </a:p>
           <a:p>
+            <a:pPr lvl="1"/>
             <a:r>
               <a:rPr lang="en-US" dirty="0"/>
               <a:t>The optimal MSE values are the dot. </a:t>
             </a:r>
           </a:p>
           <a:p>
-            <a:r>
-              <a:rPr lang="en-US" dirty="0"/>
-              <a:t>The optimal penalty values are 0. </a:t>
-            </a:r>
-          </a:p>
-          <a:p>
+            <a:pPr lvl="1"/>
+            <a:r>
+              <a:rPr lang="en-US" dirty="0"/>
+              <a:t>The optimal penalty values are (0,0). </a:t>
+            </a:r>
+          </a:p>
+          <a:p>
+            <a:r>
+              <a:rPr lang="en-US" dirty="0"/>
+              <a:t>Solution is their intersection. </a:t>
+            </a:r>
+          </a:p>
+          <a:p>
+            <a:pPr lvl="1"/>
             <a:r>
               <a:rPr lang="en-US" dirty="0"/>
               <a:t>The algorithm increments both to be ‘worse’ (farther from optimal). </a:t>
             </a:r>
           </a:p>
           <a:p>
-            <a:r>
-              <a:rPr lang="en-US" dirty="0"/>
-              <a:t>Where they meet is the solution – a value that satisfies each part. </a:t>
-            </a:r>
-          </a:p>
-          <a:p>
-            <a:pPr lvl="1"/>
-            <a:r>
-              <a:rPr lang="en-US" dirty="0"/>
-              <a:t>Best overall solution. </a:t>
+            <a:pPr lvl="1"/>
+            <a:r>
+              <a:rPr lang="en-US" dirty="0"/>
+              <a:t>‘Distance’ from either point is scaled based on the regularization param. </a:t>
+            </a:r>
+          </a:p>
+          <a:p>
+            <a:r>
+              <a:rPr lang="en-US" dirty="0"/>
+              <a:t>Balance that each term matters. </a:t>
             </a:r>
           </a:p>
         </p:txBody>
@@ -11048,6 +11065,150 @@
 </file>
 
 <file path=ppt/slides/slide46.xml><?xml version="1.0" encoding="utf-8"?>
+<p:sld xmlns:a="http://schemas.openxmlformats.org/drawingml/2006/main" xmlns:r="http://schemas.openxmlformats.org/officeDocument/2006/relationships" xmlns:p="http://schemas.openxmlformats.org/presentationml/2006/main">
+  <p:cSld>
+    <p:spTree>
+      <p:nvGrpSpPr>
+        <p:cNvPr id="1" name=""/>
+        <p:cNvGrpSpPr/>
+        <p:nvPr/>
+      </p:nvGrpSpPr>
+      <p:grpSpPr>
+        <a:xfrm>
+          <a:off x="0" y="0"/>
+          <a:ext cx="0" cy="0"/>
+          <a:chOff x="0" y="0"/>
+          <a:chExt cx="0" cy="0"/>
+        </a:xfrm>
+      </p:grpSpPr>
+      <p:sp>
+        <p:nvSpPr>
+          <p:cNvPr id="2" name="Title 1">
+            <a:extLst>
+              <a:ext uri="{FF2B5EF4-FFF2-40B4-BE49-F238E27FC236}">
+                <a16:creationId xmlns:a16="http://schemas.microsoft.com/office/drawing/2014/main" id="{4E9041E5-8982-BA58-85C9-63F65F469E05}"/>
+              </a:ext>
+            </a:extLst>
+          </p:cNvPr>
+          <p:cNvSpPr>
+            <a:spLocks noGrp="1"/>
+          </p:cNvSpPr>
+          <p:nvPr>
+            <p:ph type="title"/>
+          </p:nvPr>
+        </p:nvSpPr>
+        <p:spPr/>
+        <p:txBody>
+          <a:bodyPr/>
+          <a:lstStyle/>
+          <a:p>
+            <a:r>
+              <a:rPr lang="en-US" dirty="0"/>
+              <a:t>Variable Importance</a:t>
+            </a:r>
+          </a:p>
+        </p:txBody>
+      </p:sp>
+      <p:sp>
+        <p:nvSpPr>
+          <p:cNvPr id="3" name="Content Placeholder 2">
+            <a:extLst>
+              <a:ext uri="{FF2B5EF4-FFF2-40B4-BE49-F238E27FC236}">
+                <a16:creationId xmlns:a16="http://schemas.microsoft.com/office/drawing/2014/main" id="{43552591-B3E6-820B-5EF6-41503D1CF911}"/>
+              </a:ext>
+            </a:extLst>
+          </p:cNvPr>
+          <p:cNvSpPr>
+            <a:spLocks noGrp="1"/>
+          </p:cNvSpPr>
+          <p:nvPr>
+            <p:ph idx="1"/>
+          </p:nvPr>
+        </p:nvSpPr>
+        <p:spPr>
+          <a:xfrm>
+            <a:off x="1451579" y="1965158"/>
+            <a:ext cx="9603275" cy="4088323"/>
+          </a:xfrm>
+        </p:spPr>
+        <p:txBody>
+          <a:bodyPr/>
+          <a:lstStyle/>
+          <a:p>
+            <a:r>
+              <a:rPr lang="en-US" dirty="0"/>
+              <a:t>The L1 regularization can serve to “select out” features that are less important. </a:t>
+            </a:r>
+          </a:p>
+          <a:p>
+            <a:r>
+              <a:rPr lang="en-US" dirty="0"/>
+              <a:t>As the regularization strength is increased, the ‘bar’ for feature’s mattering increases. </a:t>
+            </a:r>
+          </a:p>
+          <a:p>
+            <a:pPr lvl="1"/>
+            <a:r>
+              <a:rPr lang="en-US" dirty="0"/>
+              <a:t>i.e. to keep this variable, it needs to decrease error by an increasing amount. </a:t>
+            </a:r>
+          </a:p>
+          <a:p>
+            <a:r>
+              <a:rPr lang="en-US" dirty="0"/>
+              <a:t>This selection isn’t totally determinative, but it is very useful information…</a:t>
+            </a:r>
+          </a:p>
+          <a:p>
+            <a:pPr lvl="1"/>
+            <a:r>
+              <a:rPr lang="en-US" dirty="0"/>
+              <a:t>The next thing we’ll look at is feature selection – which features to keep. </a:t>
+            </a:r>
+          </a:p>
+          <a:p>
+            <a:pPr lvl="1"/>
+            <a:r>
+              <a:rPr lang="en-US" dirty="0"/>
+              <a:t>Recall, trees also had the ability to tell us feature importance. </a:t>
+            </a:r>
+          </a:p>
+          <a:p>
+            <a:r>
+              <a:rPr lang="en-US" dirty="0"/>
+              <a:t>To select features well, we need to look at:</a:t>
+            </a:r>
+          </a:p>
+          <a:p>
+            <a:pPr lvl="1"/>
+            <a:r>
+              <a:rPr lang="en-US" dirty="0"/>
+              <a:t>Human judgement of what matters. </a:t>
+            </a:r>
+          </a:p>
+          <a:p>
+            <a:pPr lvl="1"/>
+            <a:r>
+              <a:rPr lang="en-US" dirty="0"/>
+              <a:t>Mathematical evaluation of what matters. </a:t>
+            </a:r>
+          </a:p>
+        </p:txBody>
+      </p:sp>
+    </p:spTree>
+    <p:extLst>
+      <p:ext uri="{BB962C8B-B14F-4D97-AF65-F5344CB8AC3E}">
+        <p14:creationId xmlns:p14="http://schemas.microsoft.com/office/powerpoint/2010/main" val="2985323210"/>
+      </p:ext>
+    </p:extLst>
+  </p:cSld>
+  <p:clrMapOvr>
+    <a:masterClrMapping/>
+  </p:clrMapOvr>
+</p:sld>
+</file>
+
+<file path=ppt/slides/slide47.xml><?xml version="1.0" encoding="utf-8"?>
 <p:sld xmlns:a="http://schemas.openxmlformats.org/drawingml/2006/main" xmlns:r="http://schemas.openxmlformats.org/officeDocument/2006/relationships" xmlns:p="http://schemas.openxmlformats.org/presentationml/2006/main" show="0">
   <p:cSld>
     <p:spTree>
@@ -11165,7 +11326,7 @@
 </p:sld>
 </file>
 
-<file path=ppt/slides/slide47.xml><?xml version="1.0" encoding="utf-8"?>
+<file path=ppt/slides/slide48.xml><?xml version="1.0" encoding="utf-8"?>
 <p:sld xmlns:a="http://schemas.openxmlformats.org/drawingml/2006/main" xmlns:r="http://schemas.openxmlformats.org/officeDocument/2006/relationships" xmlns:p="http://schemas.openxmlformats.org/presentationml/2006/main">
   <p:cSld>
     <p:spTree>
@@ -11322,7 +11483,7 @@
 </p:sld>
 </file>
 
-<file path=ppt/slides/slide48.xml><?xml version="1.0" encoding="utf-8"?>
+<file path=ppt/slides/slide49.xml><?xml version="1.0" encoding="utf-8"?>
 <p:sld xmlns:a="http://schemas.openxmlformats.org/drawingml/2006/main" xmlns:r="http://schemas.openxmlformats.org/officeDocument/2006/relationships" xmlns:p="http://schemas.openxmlformats.org/presentationml/2006/main">
   <p:cSld>
     <p:spTree>
